--- a/fig-proposal/shadow-reg-primitive.pptx
+++ b/fig-proposal/shadow-reg-primitive.pptx
@@ -4,11 +4,14 @@
   <p:sldMasterIdLst>
     <p:sldMasterId id="2147483648" r:id="rId1"/>
   </p:sldMasterIdLst>
+  <p:notesMasterIdLst>
+    <p:notesMasterId r:id="rId3"/>
+  </p:notesMasterIdLst>
   <p:sldIdLst>
     <p:sldId id="256" r:id="rId2"/>
   </p:sldIdLst>
   <p:sldSz cx="8229600" cy="6675438"/>
-  <p:notesSz cx="6858000" cy="9144000"/>
+  <p:notesSz cx="5943600" cy="8686800"/>
   <p:defaultTextStyle>
     <a:defPPr>
       <a:defRPr lang="en-US"/>
@@ -104,7 +107,457 @@
       </a:defRPr>
     </a:lvl9pPr>
   </p:defaultTextStyle>
+  <p:extLst>
+    <p:ext uri="{EFAFB233-063F-42B5-8137-9DF3F51BA10A}">
+      <p15:sldGuideLst xmlns:p15="http://schemas.microsoft.com/office/powerpoint/2012/main">
+        <p15:guide id="1" orient="horz" pos="2103">
+          <p15:clr>
+            <a:srgbClr val="A4A3A4"/>
+          </p15:clr>
+        </p15:guide>
+        <p15:guide id="2" pos="2592">
+          <p15:clr>
+            <a:srgbClr val="A4A3A4"/>
+          </p15:clr>
+        </p15:guide>
+      </p15:sldGuideLst>
+    </p:ext>
+  </p:extLst>
 </p:presentation>
+</file>
+
+<file path=ppt/notesMasters/notesMaster1.xml><?xml version="1.0" encoding="utf-8"?>
+<p:notesMaster xmlns:a="http://schemas.openxmlformats.org/drawingml/2006/main" xmlns:r="http://schemas.openxmlformats.org/officeDocument/2006/relationships" xmlns:p="http://schemas.openxmlformats.org/presentationml/2006/main">
+  <p:cSld>
+    <p:bg>
+      <p:bgRef idx="1001">
+        <a:schemeClr val="bg1"/>
+      </p:bgRef>
+    </p:bg>
+    <p:spTree>
+      <p:nvGrpSpPr>
+        <p:cNvPr id="1" name=""/>
+        <p:cNvGrpSpPr/>
+        <p:nvPr/>
+      </p:nvGrpSpPr>
+      <p:grpSpPr>
+        <a:xfrm>
+          <a:off x="0" y="0"/>
+          <a:ext cx="0" cy="0"/>
+          <a:chOff x="0" y="0"/>
+          <a:chExt cx="0" cy="0"/>
+        </a:xfrm>
+      </p:grpSpPr>
+      <p:sp>
+        <p:nvSpPr>
+          <p:cNvPr id="2" name="Header Placeholder 1"/>
+          <p:cNvSpPr>
+            <a:spLocks noGrp="1"/>
+          </p:cNvSpPr>
+          <p:nvPr>
+            <p:ph type="hdr" sz="quarter"/>
+          </p:nvPr>
+        </p:nvSpPr>
+        <p:spPr>
+          <a:xfrm>
+            <a:off x="0" y="1"/>
+            <a:ext cx="2575560" cy="435848"/>
+          </a:xfrm>
+          <a:prstGeom prst="rect">
+            <a:avLst/>
+          </a:prstGeom>
+        </p:spPr>
+        <p:txBody>
+          <a:bodyPr vert="horz" lIns="91440" tIns="45720" rIns="91440" bIns="45720" rtlCol="0"/>
+          <a:lstStyle>
+            <a:lvl1pPr algn="l">
+              <a:defRPr sz="1200"/>
+            </a:lvl1pPr>
+          </a:lstStyle>
+          <a:p>
+            <a:endParaRPr lang="en-US"/>
+          </a:p>
+        </p:txBody>
+      </p:sp>
+      <p:sp>
+        <p:nvSpPr>
+          <p:cNvPr id="3" name="Date Placeholder 2"/>
+          <p:cNvSpPr>
+            <a:spLocks noGrp="1"/>
+          </p:cNvSpPr>
+          <p:nvPr>
+            <p:ph type="dt" idx="1"/>
+          </p:nvPr>
+        </p:nvSpPr>
+        <p:spPr>
+          <a:xfrm>
+            <a:off x="3366664" y="1"/>
+            <a:ext cx="2575560" cy="435848"/>
+          </a:xfrm>
+          <a:prstGeom prst="rect">
+            <a:avLst/>
+          </a:prstGeom>
+        </p:spPr>
+        <p:txBody>
+          <a:bodyPr vert="horz" lIns="91440" tIns="45720" rIns="91440" bIns="45720" rtlCol="0"/>
+          <a:lstStyle>
+            <a:lvl1pPr algn="r">
+              <a:defRPr sz="1200"/>
+            </a:lvl1pPr>
+          </a:lstStyle>
+          <a:p>
+            <a:fld id="{98E2198A-CA1B-4B7D-8B14-05365CAB893A}" type="datetimeFigureOut">
+              <a:rPr lang="en-US" smtClean="0"/>
+              <a:t>10/6/2016</a:t>
+            </a:fld>
+            <a:endParaRPr lang="en-US"/>
+          </a:p>
+        </p:txBody>
+      </p:sp>
+      <p:sp>
+        <p:nvSpPr>
+          <p:cNvPr id="4" name="Slide Image Placeholder 3"/>
+          <p:cNvSpPr>
+            <a:spLocks noGrp="1" noRot="1" noChangeAspect="1"/>
+          </p:cNvSpPr>
+          <p:nvPr>
+            <p:ph type="sldImg" idx="2"/>
+          </p:nvPr>
+        </p:nvSpPr>
+        <p:spPr>
+          <a:xfrm>
+            <a:off x="1163638" y="1085850"/>
+            <a:ext cx="3616325" cy="2932113"/>
+          </a:xfrm>
+          <a:prstGeom prst="rect">
+            <a:avLst/>
+          </a:prstGeom>
+          <a:noFill/>
+          <a:ln w="12700">
+            <a:solidFill>
+              <a:prstClr val="black"/>
+            </a:solidFill>
+          </a:ln>
+        </p:spPr>
+        <p:txBody>
+          <a:bodyPr vert="horz" lIns="91440" tIns="45720" rIns="91440" bIns="45720" rtlCol="0" anchor="ctr"/>
+          <a:lstStyle/>
+          <a:p>
+            <a:endParaRPr lang="en-US"/>
+          </a:p>
+        </p:txBody>
+      </p:sp>
+      <p:sp>
+        <p:nvSpPr>
+          <p:cNvPr id="5" name="Notes Placeholder 4"/>
+          <p:cNvSpPr>
+            <a:spLocks noGrp="1"/>
+          </p:cNvSpPr>
+          <p:nvPr>
+            <p:ph type="body" sz="quarter" idx="3"/>
+          </p:nvPr>
+        </p:nvSpPr>
+        <p:spPr>
+          <a:xfrm>
+            <a:off x="594360" y="4180522"/>
+            <a:ext cx="4754880" cy="3420428"/>
+          </a:xfrm>
+          <a:prstGeom prst="rect">
+            <a:avLst/>
+          </a:prstGeom>
+        </p:spPr>
+        <p:txBody>
+          <a:bodyPr vert="horz" lIns="91440" tIns="45720" rIns="91440" bIns="45720" rtlCol="0"/>
+          <a:lstStyle/>
+          <a:p>
+            <a:pPr lvl="0"/>
+            <a:r>
+              <a:rPr lang="en-US" smtClean="0"/>
+              <a:t>Click to edit Master text styles</a:t>
+            </a:r>
+          </a:p>
+          <a:p>
+            <a:pPr lvl="1"/>
+            <a:r>
+              <a:rPr lang="en-US" smtClean="0"/>
+              <a:t>Second level</a:t>
+            </a:r>
+          </a:p>
+          <a:p>
+            <a:pPr lvl="2"/>
+            <a:r>
+              <a:rPr lang="en-US" smtClean="0"/>
+              <a:t>Third level</a:t>
+            </a:r>
+          </a:p>
+          <a:p>
+            <a:pPr lvl="3"/>
+            <a:r>
+              <a:rPr lang="en-US" smtClean="0"/>
+              <a:t>Fourth level</a:t>
+            </a:r>
+          </a:p>
+          <a:p>
+            <a:pPr lvl="4"/>
+            <a:r>
+              <a:rPr lang="en-US" smtClean="0"/>
+              <a:t>Fifth level</a:t>
+            </a:r>
+            <a:endParaRPr lang="en-US"/>
+          </a:p>
+        </p:txBody>
+      </p:sp>
+      <p:sp>
+        <p:nvSpPr>
+          <p:cNvPr id="6" name="Footer Placeholder 5"/>
+          <p:cNvSpPr>
+            <a:spLocks noGrp="1"/>
+          </p:cNvSpPr>
+          <p:nvPr>
+            <p:ph type="ftr" sz="quarter" idx="4"/>
+          </p:nvPr>
+        </p:nvSpPr>
+        <p:spPr>
+          <a:xfrm>
+            <a:off x="0" y="8250953"/>
+            <a:ext cx="2575560" cy="435847"/>
+          </a:xfrm>
+          <a:prstGeom prst="rect">
+            <a:avLst/>
+          </a:prstGeom>
+        </p:spPr>
+        <p:txBody>
+          <a:bodyPr vert="horz" lIns="91440" tIns="45720" rIns="91440" bIns="45720" rtlCol="0" anchor="b"/>
+          <a:lstStyle>
+            <a:lvl1pPr algn="l">
+              <a:defRPr sz="1200"/>
+            </a:lvl1pPr>
+          </a:lstStyle>
+          <a:p>
+            <a:endParaRPr lang="en-US"/>
+          </a:p>
+        </p:txBody>
+      </p:sp>
+      <p:sp>
+        <p:nvSpPr>
+          <p:cNvPr id="7" name="Slide Number Placeholder 6"/>
+          <p:cNvSpPr>
+            <a:spLocks noGrp="1"/>
+          </p:cNvSpPr>
+          <p:nvPr>
+            <p:ph type="sldNum" sz="quarter" idx="5"/>
+          </p:nvPr>
+        </p:nvSpPr>
+        <p:spPr>
+          <a:xfrm>
+            <a:off x="3366664" y="8250953"/>
+            <a:ext cx="2575560" cy="435847"/>
+          </a:xfrm>
+          <a:prstGeom prst="rect">
+            <a:avLst/>
+          </a:prstGeom>
+        </p:spPr>
+        <p:txBody>
+          <a:bodyPr vert="horz" lIns="91440" tIns="45720" rIns="91440" bIns="45720" rtlCol="0" anchor="b"/>
+          <a:lstStyle>
+            <a:lvl1pPr algn="r">
+              <a:defRPr sz="1200"/>
+            </a:lvl1pPr>
+          </a:lstStyle>
+          <a:p>
+            <a:fld id="{18F853BD-362C-4EED-8621-E2A6A128BAE8}" type="slidenum">
+              <a:rPr lang="en-US" smtClean="0"/>
+              <a:t>‹#›</a:t>
+            </a:fld>
+            <a:endParaRPr lang="en-US"/>
+          </a:p>
+        </p:txBody>
+      </p:sp>
+    </p:spTree>
+    <p:extLst>
+      <p:ext uri="{BB962C8B-B14F-4D97-AF65-F5344CB8AC3E}">
+        <p14:creationId xmlns:p14="http://schemas.microsoft.com/office/powerpoint/2010/main" val="2568097011"/>
+      </p:ext>
+    </p:extLst>
+  </p:cSld>
+  <p:clrMap bg1="lt1" tx1="dk1" bg2="lt2" tx2="dk2" accent1="accent1" accent2="accent2" accent3="accent3" accent4="accent4" accent5="accent5" accent6="accent6" hlink="hlink" folHlink="folHlink"/>
+  <p:notesStyle>
+    <a:lvl1pPr marL="0" algn="l" defTabSz="914400" rtl="0" eaLnBrk="1" latinLnBrk="0" hangingPunct="1">
+      <a:defRPr sz="1200" kern="1200">
+        <a:solidFill>
+          <a:schemeClr val="tx1"/>
+        </a:solidFill>
+        <a:latin typeface="+mn-lt"/>
+        <a:ea typeface="+mn-ea"/>
+        <a:cs typeface="+mn-cs"/>
+      </a:defRPr>
+    </a:lvl1pPr>
+    <a:lvl2pPr marL="457200" algn="l" defTabSz="914400" rtl="0" eaLnBrk="1" latinLnBrk="0" hangingPunct="1">
+      <a:defRPr sz="1200" kern="1200">
+        <a:solidFill>
+          <a:schemeClr val="tx1"/>
+        </a:solidFill>
+        <a:latin typeface="+mn-lt"/>
+        <a:ea typeface="+mn-ea"/>
+        <a:cs typeface="+mn-cs"/>
+      </a:defRPr>
+    </a:lvl2pPr>
+    <a:lvl3pPr marL="914400" algn="l" defTabSz="914400" rtl="0" eaLnBrk="1" latinLnBrk="0" hangingPunct="1">
+      <a:defRPr sz="1200" kern="1200">
+        <a:solidFill>
+          <a:schemeClr val="tx1"/>
+        </a:solidFill>
+        <a:latin typeface="+mn-lt"/>
+        <a:ea typeface="+mn-ea"/>
+        <a:cs typeface="+mn-cs"/>
+      </a:defRPr>
+    </a:lvl3pPr>
+    <a:lvl4pPr marL="1371600" algn="l" defTabSz="914400" rtl="0" eaLnBrk="1" latinLnBrk="0" hangingPunct="1">
+      <a:defRPr sz="1200" kern="1200">
+        <a:solidFill>
+          <a:schemeClr val="tx1"/>
+        </a:solidFill>
+        <a:latin typeface="+mn-lt"/>
+        <a:ea typeface="+mn-ea"/>
+        <a:cs typeface="+mn-cs"/>
+      </a:defRPr>
+    </a:lvl4pPr>
+    <a:lvl5pPr marL="1828800" algn="l" defTabSz="914400" rtl="0" eaLnBrk="1" latinLnBrk="0" hangingPunct="1">
+      <a:defRPr sz="1200" kern="1200">
+        <a:solidFill>
+          <a:schemeClr val="tx1"/>
+        </a:solidFill>
+        <a:latin typeface="+mn-lt"/>
+        <a:ea typeface="+mn-ea"/>
+        <a:cs typeface="+mn-cs"/>
+      </a:defRPr>
+    </a:lvl5pPr>
+    <a:lvl6pPr marL="2286000" algn="l" defTabSz="914400" rtl="0" eaLnBrk="1" latinLnBrk="0" hangingPunct="1">
+      <a:defRPr sz="1200" kern="1200">
+        <a:solidFill>
+          <a:schemeClr val="tx1"/>
+        </a:solidFill>
+        <a:latin typeface="+mn-lt"/>
+        <a:ea typeface="+mn-ea"/>
+        <a:cs typeface="+mn-cs"/>
+      </a:defRPr>
+    </a:lvl6pPr>
+    <a:lvl7pPr marL="2743200" algn="l" defTabSz="914400" rtl="0" eaLnBrk="1" latinLnBrk="0" hangingPunct="1">
+      <a:defRPr sz="1200" kern="1200">
+        <a:solidFill>
+          <a:schemeClr val="tx1"/>
+        </a:solidFill>
+        <a:latin typeface="+mn-lt"/>
+        <a:ea typeface="+mn-ea"/>
+        <a:cs typeface="+mn-cs"/>
+      </a:defRPr>
+    </a:lvl7pPr>
+    <a:lvl8pPr marL="3200400" algn="l" defTabSz="914400" rtl="0" eaLnBrk="1" latinLnBrk="0" hangingPunct="1">
+      <a:defRPr sz="1200" kern="1200">
+        <a:solidFill>
+          <a:schemeClr val="tx1"/>
+        </a:solidFill>
+        <a:latin typeface="+mn-lt"/>
+        <a:ea typeface="+mn-ea"/>
+        <a:cs typeface="+mn-cs"/>
+      </a:defRPr>
+    </a:lvl8pPr>
+    <a:lvl9pPr marL="3657600" algn="l" defTabSz="914400" rtl="0" eaLnBrk="1" latinLnBrk="0" hangingPunct="1">
+      <a:defRPr sz="1200" kern="1200">
+        <a:solidFill>
+          <a:schemeClr val="tx1"/>
+        </a:solidFill>
+        <a:latin typeface="+mn-lt"/>
+        <a:ea typeface="+mn-ea"/>
+        <a:cs typeface="+mn-cs"/>
+      </a:defRPr>
+    </a:lvl9pPr>
+  </p:notesStyle>
+</p:notesMaster>
+</file>
+
+<file path=ppt/notesSlides/notesSlide1.xml><?xml version="1.0" encoding="utf-8"?>
+<p:notes xmlns:a="http://schemas.openxmlformats.org/drawingml/2006/main" xmlns:r="http://schemas.openxmlformats.org/officeDocument/2006/relationships" xmlns:p="http://schemas.openxmlformats.org/presentationml/2006/main">
+  <p:cSld>
+    <p:spTree>
+      <p:nvGrpSpPr>
+        <p:cNvPr id="1" name=""/>
+        <p:cNvGrpSpPr/>
+        <p:nvPr/>
+      </p:nvGrpSpPr>
+      <p:grpSpPr>
+        <a:xfrm>
+          <a:off x="0" y="0"/>
+          <a:ext cx="0" cy="0"/>
+          <a:chOff x="0" y="0"/>
+          <a:chExt cx="0" cy="0"/>
+        </a:xfrm>
+      </p:grpSpPr>
+      <p:sp>
+        <p:nvSpPr>
+          <p:cNvPr id="2" name="Slide Image Placeholder 1"/>
+          <p:cNvSpPr>
+            <a:spLocks noGrp="1" noRot="1" noChangeAspect="1"/>
+          </p:cNvSpPr>
+          <p:nvPr>
+            <p:ph type="sldImg"/>
+          </p:nvPr>
+        </p:nvSpPr>
+        <p:spPr/>
+      </p:sp>
+      <p:sp>
+        <p:nvSpPr>
+          <p:cNvPr id="3" name="Notes Placeholder 2"/>
+          <p:cNvSpPr>
+            <a:spLocks noGrp="1"/>
+          </p:cNvSpPr>
+          <p:nvPr>
+            <p:ph type="body" idx="1"/>
+          </p:nvPr>
+        </p:nvSpPr>
+        <p:spPr/>
+        <p:txBody>
+          <a:bodyPr/>
+          <a:lstStyle/>
+          <a:p>
+            <a:endParaRPr lang="en-US"/>
+          </a:p>
+        </p:txBody>
+      </p:sp>
+      <p:sp>
+        <p:nvSpPr>
+          <p:cNvPr id="4" name="Slide Number Placeholder 3"/>
+          <p:cNvSpPr>
+            <a:spLocks noGrp="1"/>
+          </p:cNvSpPr>
+          <p:nvPr>
+            <p:ph type="sldNum" sz="quarter" idx="10"/>
+          </p:nvPr>
+        </p:nvSpPr>
+        <p:spPr/>
+        <p:txBody>
+          <a:bodyPr/>
+          <a:lstStyle/>
+          <a:p>
+            <a:fld id="{18F853BD-362C-4EED-8621-E2A6A128BAE8}" type="slidenum">
+              <a:rPr lang="en-US" smtClean="0"/>
+              <a:t>1</a:t>
+            </a:fld>
+            <a:endParaRPr lang="en-US"/>
+          </a:p>
+        </p:txBody>
+      </p:sp>
+    </p:spTree>
+    <p:extLst>
+      <p:ext uri="{BB962C8B-B14F-4D97-AF65-F5344CB8AC3E}">
+        <p14:creationId xmlns:p14="http://schemas.microsoft.com/office/powerpoint/2010/main" val="3753107172"/>
+      </p:ext>
+    </p:extLst>
+  </p:cSld>
+  <p:clrMapOvr>
+    <a:masterClrMapping/>
+  </p:clrMapOvr>
+</p:notes>
 </file>
 
 <file path=ppt/slideLayouts/slideLayout1.xml><?xml version="1.0" encoding="utf-8"?>
@@ -289,7 +742,7 @@
             <a:fld id="{F4E242B6-85A2-46ED-A799-4C2A2101D674}" type="datetimeFigureOut">
               <a:rPr lang="en-US" smtClean="0"/>
               <a:pPr/>
-              <a:t>5/26/2014</a:t>
+              <a:t>10/6/2016</a:t>
             </a:fld>
             <a:endParaRPr lang="en-US"/>
           </a:p>
@@ -456,7 +909,7 @@
             <a:fld id="{F4E242B6-85A2-46ED-A799-4C2A2101D674}" type="datetimeFigureOut">
               <a:rPr lang="en-US" smtClean="0"/>
               <a:pPr/>
-              <a:t>5/26/2014</a:t>
+              <a:t>10/6/2016</a:t>
             </a:fld>
             <a:endParaRPr lang="en-US"/>
           </a:p>
@@ -633,7 +1086,7 @@
             <a:fld id="{F4E242B6-85A2-46ED-A799-4C2A2101D674}" type="datetimeFigureOut">
               <a:rPr lang="en-US" smtClean="0"/>
               <a:pPr/>
-              <a:t>5/26/2014</a:t>
+              <a:t>10/6/2016</a:t>
             </a:fld>
             <a:endParaRPr lang="en-US"/>
           </a:p>
@@ -800,7 +1253,7 @@
             <a:fld id="{F4E242B6-85A2-46ED-A799-4C2A2101D674}" type="datetimeFigureOut">
               <a:rPr lang="en-US" smtClean="0"/>
               <a:pPr/>
-              <a:t>5/26/2014</a:t>
+              <a:t>10/6/2016</a:t>
             </a:fld>
             <a:endParaRPr lang="en-US"/>
           </a:p>
@@ -1043,7 +1496,7 @@
             <a:fld id="{F4E242B6-85A2-46ED-A799-4C2A2101D674}" type="datetimeFigureOut">
               <a:rPr lang="en-US" smtClean="0"/>
               <a:pPr/>
-              <a:t>5/26/2014</a:t>
+              <a:t>10/6/2016</a:t>
             </a:fld>
             <a:endParaRPr lang="en-US"/>
           </a:p>
@@ -1328,7 +1781,7 @@
             <a:fld id="{F4E242B6-85A2-46ED-A799-4C2A2101D674}" type="datetimeFigureOut">
               <a:rPr lang="en-US" smtClean="0"/>
               <a:pPr/>
-              <a:t>5/26/2014</a:t>
+              <a:t>10/6/2016</a:t>
             </a:fld>
             <a:endParaRPr lang="en-US"/>
           </a:p>
@@ -1747,7 +2200,7 @@
             <a:fld id="{F4E242B6-85A2-46ED-A799-4C2A2101D674}" type="datetimeFigureOut">
               <a:rPr lang="en-US" smtClean="0"/>
               <a:pPr/>
-              <a:t>5/26/2014</a:t>
+              <a:t>10/6/2016</a:t>
             </a:fld>
             <a:endParaRPr lang="en-US"/>
           </a:p>
@@ -1862,7 +2315,7 @@
             <a:fld id="{F4E242B6-85A2-46ED-A799-4C2A2101D674}" type="datetimeFigureOut">
               <a:rPr lang="en-US" smtClean="0"/>
               <a:pPr/>
-              <a:t>5/26/2014</a:t>
+              <a:t>10/6/2016</a:t>
             </a:fld>
             <a:endParaRPr lang="en-US"/>
           </a:p>
@@ -1954,7 +2407,7 @@
             <a:fld id="{F4E242B6-85A2-46ED-A799-4C2A2101D674}" type="datetimeFigureOut">
               <a:rPr lang="en-US" smtClean="0"/>
               <a:pPr/>
-              <a:t>5/26/2014</a:t>
+              <a:t>10/6/2016</a:t>
             </a:fld>
             <a:endParaRPr lang="en-US"/>
           </a:p>
@@ -2228,7 +2681,7 @@
             <a:fld id="{F4E242B6-85A2-46ED-A799-4C2A2101D674}" type="datetimeFigureOut">
               <a:rPr lang="en-US" smtClean="0"/>
               <a:pPr/>
-              <a:t>5/26/2014</a:t>
+              <a:t>10/6/2016</a:t>
             </a:fld>
             <a:endParaRPr lang="en-US"/>
           </a:p>
@@ -2478,7 +2931,7 @@
             <a:fld id="{F4E242B6-85A2-46ED-A799-4C2A2101D674}" type="datetimeFigureOut">
               <a:rPr lang="en-US" smtClean="0"/>
               <a:pPr/>
-              <a:t>5/26/2014</a:t>
+              <a:t>10/6/2016</a:t>
             </a:fld>
             <a:endParaRPr lang="en-US"/>
           </a:p>
@@ -2688,7 +3141,7 @@
             <a:fld id="{F4E242B6-85A2-46ED-A799-4C2A2101D674}" type="datetimeFigureOut">
               <a:rPr lang="en-US" smtClean="0"/>
               <a:pPr/>
-              <a:t>5/26/2014</a:t>
+              <a:t>10/6/2016</a:t>
             </a:fld>
             <a:endParaRPr lang="en-US"/>
           </a:p>
@@ -3114,18 +3567,26 @@
               </a:ln>
             </p:spPr>
             <p:txBody>
-              <a:bodyPr wrap="square" lIns="36725" tIns="18363" rIns="36725" bIns="18363">
+              <a:bodyPr lIns="36725" tIns="18363" rIns="36725" bIns="18363">
                 <a:spAutoFit/>
               </a:bodyPr>
-              <a:lstStyle/>
+              <a:lstStyle>
+                <a:defPPr>
+                  <a:defRPr lang="en-US"/>
+                </a:defPPr>
+                <a:lvl1pPr>
+                  <a:defRPr sz="2400">
+                    <a:latin typeface="Times New Roman" pitchFamily="18" charset="0"/>
+                    <a:cs typeface="Times New Roman" pitchFamily="18" charset="0"/>
+                  </a:defRPr>
+                </a:lvl1pPr>
+              </a:lstStyle>
               <a:p>
                 <a:r>
-                  <a:rPr lang="en-US" sz="2400" i="1" dirty="0">
-                    <a:latin typeface="Times New Roman" pitchFamily="18" charset="0"/>
-                    <a:cs typeface="Times New Roman" pitchFamily="18" charset="0"/>
-                  </a:rPr>
+                  <a:rPr lang="en-US" smtClean="0"/>
                   <a:t>Entry</a:t>
                 </a:r>
+                <a:endParaRPr lang="en-US" dirty="0"/>
               </a:p>
             </p:txBody>
           </p:sp>
@@ -3222,21 +3683,7 @@
                     <a:latin typeface="Times New Roman" pitchFamily="18" charset="0"/>
                     <a:cs typeface="Times New Roman" pitchFamily="18" charset="0"/>
                   </a:rPr>
-                  <a:t>[0,</a:t>
-                </a:r>
-                <a:r>
-                  <a:rPr lang="en-US" sz="2400" i="1" dirty="0">
-                    <a:latin typeface="Times New Roman" pitchFamily="18" charset="0"/>
-                    <a:cs typeface="Times New Roman" pitchFamily="18" charset="0"/>
-                  </a:rPr>
-                  <a:t>Entry</a:t>
-                </a:r>
-                <a:r>
-                  <a:rPr lang="en-US" sz="2400" dirty="0">
-                    <a:latin typeface="Times New Roman" pitchFamily="18" charset="0"/>
-                    <a:cs typeface="Times New Roman" pitchFamily="18" charset="0"/>
-                  </a:rPr>
-                  <a:t>]</a:t>
+                  <a:t>[0,Entry]</a:t>
                 </a:r>
                 <a:r>
                   <a:rPr lang="en-US" sz="2400" i="1" dirty="0">
@@ -3315,14 +3762,28 @@
                     <a:latin typeface="Times New Roman" pitchFamily="18" charset="0"/>
                     <a:cs typeface="Times New Roman" pitchFamily="18" charset="0"/>
                   </a:rPr>
-                  <a:t>[0</a:t>
+                  <a:t>[</a:t>
                 </a:r>
                 <a:r>
-                  <a:rPr lang="en-US" sz="2400" i="1" dirty="0">
+                  <a:rPr lang="en-US" sz="2400" dirty="0" smtClean="0">
                     <a:latin typeface="Times New Roman" pitchFamily="18" charset="0"/>
                     <a:cs typeface="Times New Roman" pitchFamily="18" charset="0"/>
                   </a:rPr>
-                  <a:t>,Entry</a:t>
+                  <a:t>0</a:t>
+                </a:r>
+                <a:r>
+                  <a:rPr lang="en-US" sz="2400" i="1" dirty="0" smtClean="0">
+                    <a:latin typeface="Times New Roman" pitchFamily="18" charset="0"/>
+                    <a:cs typeface="Times New Roman" pitchFamily="18" charset="0"/>
+                  </a:rPr>
+                  <a:t>,</a:t>
+                </a:r>
+                <a:r>
+                  <a:rPr lang="en-US" sz="2400" dirty="0" smtClean="0">
+                    <a:latin typeface="Times New Roman" pitchFamily="18" charset="0"/>
+                    <a:cs typeface="Times New Roman" pitchFamily="18" charset="0"/>
+                  </a:rPr>
+                  <a:t>Entry</a:t>
                 </a:r>
                 <a:r>
                   <a:rPr lang="en-US" sz="2400" dirty="0">
@@ -3639,7 +4100,7 @@
               <a:lstStyle/>
               <a:p>
                 <a:r>
-                  <a:rPr lang="en-US" sz="2400" i="1" dirty="0">
+                  <a:rPr lang="en-US" sz="2400" dirty="0">
                     <a:latin typeface="Times New Roman" pitchFamily="18" charset="0"/>
                     <a:cs typeface="Times New Roman" pitchFamily="18" charset="0"/>
                   </a:rPr>
@@ -3676,13 +4137,20 @@
               <a:bodyPr lIns="36725" tIns="18363" rIns="36725" bIns="18363">
                 <a:spAutoFit/>
               </a:bodyPr>
-              <a:lstStyle/>
+              <a:lstStyle>
+                <a:defPPr>
+                  <a:defRPr lang="en-US"/>
+                </a:defPPr>
+                <a:lvl1pPr>
+                  <a:defRPr sz="2400">
+                    <a:latin typeface="Times New Roman" pitchFamily="18" charset="0"/>
+                    <a:cs typeface="Times New Roman" pitchFamily="18" charset="0"/>
+                  </a:defRPr>
+                </a:lvl1pPr>
+              </a:lstStyle>
               <a:p>
                 <a:r>
-                  <a:rPr lang="en-US" sz="2400" i="1" dirty="0">
-                    <a:latin typeface="Times New Roman" pitchFamily="18" charset="0"/>
-                    <a:cs typeface="Times New Roman" pitchFamily="18" charset="0"/>
-                  </a:rPr>
+                  <a:rPr lang="en-US" dirty="0"/>
                   <a:t>Y</a:t>
                 </a:r>
               </a:p>
@@ -3716,13 +4184,20 @@
               <a:bodyPr lIns="36725" tIns="18363" rIns="36725" bIns="18363">
                 <a:spAutoFit/>
               </a:bodyPr>
-              <a:lstStyle/>
+              <a:lstStyle>
+                <a:defPPr>
+                  <a:defRPr lang="en-US"/>
+                </a:defPPr>
+                <a:lvl1pPr>
+                  <a:defRPr sz="2400">
+                    <a:latin typeface="Times New Roman" pitchFamily="18" charset="0"/>
+                    <a:cs typeface="Times New Roman" pitchFamily="18" charset="0"/>
+                  </a:defRPr>
+                </a:lvl1pPr>
+              </a:lstStyle>
               <a:p>
                 <a:r>
-                  <a:rPr lang="en-US" sz="2400" i="1" dirty="0">
-                    <a:latin typeface="Times New Roman" pitchFamily="18" charset="0"/>
-                    <a:cs typeface="Times New Roman" pitchFamily="18" charset="0"/>
-                  </a:rPr>
+                  <a:rPr lang="en-US" dirty="0"/>
                   <a:t>Z</a:t>
                 </a:r>
               </a:p>
@@ -3868,16 +4343,23 @@
             </a:ln>
           </p:spPr>
           <p:txBody>
-            <a:bodyPr wrap="square" lIns="34206" tIns="17103" rIns="34206" bIns="17103">
+            <a:bodyPr lIns="36725" tIns="18363" rIns="36725" bIns="18363">
               <a:spAutoFit/>
             </a:bodyPr>
-            <a:lstStyle/>
+            <a:lstStyle>
+              <a:defPPr>
+                <a:defRPr lang="en-US"/>
+              </a:defPPr>
+              <a:lvl1pPr>
+                <a:defRPr sz="2400">
+                  <a:latin typeface="Times New Roman" pitchFamily="18" charset="0"/>
+                  <a:cs typeface="Times New Roman" pitchFamily="18" charset="0"/>
+                </a:defRPr>
+              </a:lvl1pPr>
+            </a:lstStyle>
             <a:p>
               <a:r>
-                <a:rPr lang="en-US" sz="2400" i="1" dirty="0">
-                  <a:latin typeface="Times New Roman" pitchFamily="18" charset="0"/>
-                  <a:cs typeface="Times New Roman" pitchFamily="18" charset="0"/>
-                </a:rPr>
+                <a:rPr lang="en-US" dirty="0"/>
                 <a:t>Entry</a:t>
               </a:r>
             </a:p>
@@ -3976,21 +4458,7 @@
                   <a:latin typeface="Times New Roman" pitchFamily="18" charset="0"/>
                   <a:cs typeface="Times New Roman" pitchFamily="18" charset="0"/>
                 </a:rPr>
-                <a:t>[0,</a:t>
-              </a:r>
-              <a:r>
-                <a:rPr lang="en-US" sz="2400" i="1" dirty="0">
-                  <a:latin typeface="Times New Roman" pitchFamily="18" charset="0"/>
-                  <a:cs typeface="Times New Roman" pitchFamily="18" charset="0"/>
-                </a:rPr>
-                <a:t>Entry</a:t>
-              </a:r>
-              <a:r>
-                <a:rPr lang="en-US" sz="2400" dirty="0">
-                  <a:latin typeface="Times New Roman" pitchFamily="18" charset="0"/>
-                  <a:cs typeface="Times New Roman" pitchFamily="18" charset="0"/>
-                </a:rPr>
-                <a:t>]</a:t>
+                <a:t>[0,Entry]</a:t>
               </a:r>
               <a:r>
                 <a:rPr lang="en-US" sz="2400" i="1" dirty="0">
@@ -4076,14 +4544,14 @@
                   <a:latin typeface="Times New Roman" pitchFamily="18" charset="0"/>
                   <a:cs typeface="Times New Roman" pitchFamily="18" charset="0"/>
                 </a:rPr>
-                <a:t>,Entry</a:t>
+                <a:t>,</a:t>
               </a:r>
               <a:r>
                 <a:rPr lang="en-US" sz="2400" dirty="0">
                   <a:latin typeface="Times New Roman" pitchFamily="18" charset="0"/>
                   <a:cs typeface="Times New Roman" pitchFamily="18" charset="0"/>
                 </a:rPr>
-                <a:t>] [</a:t>
+                <a:t>Entry] [</a:t>
               </a:r>
               <a:r>
                 <a:rPr lang="en-US" sz="2400" i="1" dirty="0" err="1">
@@ -4156,7 +4624,21 @@
                   <a:latin typeface="Times New Roman" pitchFamily="18" charset="0"/>
                   <a:cs typeface="Times New Roman" pitchFamily="18" charset="0"/>
                 </a:rPr>
-                <a:t> Exit </a:t>
+                <a:t> </a:t>
+              </a:r>
+              <a:r>
+                <a:rPr lang="en-US" sz="2400" dirty="0">
+                  <a:latin typeface="Times New Roman" pitchFamily="18" charset="0"/>
+                  <a:cs typeface="Times New Roman" pitchFamily="18" charset="0"/>
+                </a:rPr>
+                <a:t>Exit</a:t>
+              </a:r>
+              <a:r>
+                <a:rPr lang="en-US" sz="2400" i="1" dirty="0">
+                  <a:latin typeface="Times New Roman" pitchFamily="18" charset="0"/>
+                  <a:cs typeface="Times New Roman" pitchFamily="18" charset="0"/>
+                </a:rPr>
+                <a:t> </a:t>
               </a:r>
             </a:p>
             <a:p>
@@ -4200,34 +4682,49 @@
             <a:p>
               <a:pPr algn="ctr"/>
               <a:r>
-                <a:rPr lang="en-US" sz="2400" i="1" dirty="0" err="1">
+                <a:rPr lang="en-US" sz="2400" b="1" i="1" dirty="0" err="1">
+                  <a:solidFill>
+                    <a:srgbClr val="FF0000"/>
+                  </a:solidFill>
                   <a:latin typeface="Times New Roman" pitchFamily="18" charset="0"/>
                   <a:cs typeface="Times New Roman" pitchFamily="18" charset="0"/>
                 </a:rPr>
                 <a:t>a_reg</a:t>
               </a:r>
               <a:r>
-                <a:rPr lang="en-US" sz="2400" i="1" dirty="0">
+                <a:rPr lang="en-US" sz="2400" b="1" i="1" dirty="0">
+                  <a:solidFill>
+                    <a:srgbClr val="FF0000"/>
+                  </a:solidFill>
                   <a:latin typeface="Times New Roman" pitchFamily="18" charset="0"/>
                   <a:cs typeface="Times New Roman" pitchFamily="18" charset="0"/>
                 </a:rPr>
                 <a:t> </a:t>
               </a:r>
               <a:r>
-                <a:rPr lang="en-US" sz="2400" dirty="0">
+                <a:rPr lang="en-US" sz="2400" b="1" dirty="0">
+                  <a:solidFill>
+                    <a:srgbClr val="FF0000"/>
+                  </a:solidFill>
                   <a:latin typeface="Times New Roman" pitchFamily="18" charset="0"/>
                   <a:cs typeface="Times New Roman" pitchFamily="18" charset="0"/>
                 </a:rPr>
                 <a:t>:=</a:t>
               </a:r>
               <a:r>
-                <a:rPr lang="en-US" sz="2400" i="1" dirty="0">
+                <a:rPr lang="en-US" sz="2400" b="1" i="1" dirty="0">
+                  <a:solidFill>
+                    <a:srgbClr val="FF0000"/>
+                  </a:solidFill>
                   <a:latin typeface="Times New Roman" pitchFamily="18" charset="0"/>
                   <a:cs typeface="Times New Roman" pitchFamily="18" charset="0"/>
                 </a:rPr>
                 <a:t> a′</a:t>
               </a:r>
-              <a:endParaRPr lang="en-US" sz="2400" dirty="0">
+              <a:endParaRPr lang="en-US" sz="2400" b="1" dirty="0">
+                <a:solidFill>
+                  <a:srgbClr val="FF0000"/>
+                </a:solidFill>
                 <a:latin typeface="Times New Roman" pitchFamily="18" charset="0"/>
                 <a:cs typeface="Times New Roman" pitchFamily="18" charset="0"/>
               </a:endParaRPr>
@@ -4320,27 +4817,39 @@
             <a:p>
               <a:pPr algn="ctr"/>
               <a:r>
-                <a:rPr lang="en-US" sz="2400" i="1" dirty="0">
+                <a:rPr lang="en-US" sz="2400" b="1" i="1" dirty="0">
+                  <a:solidFill>
+                    <a:srgbClr val="FF0000"/>
+                  </a:solidFill>
                   <a:latin typeface="Times New Roman" pitchFamily="18" charset="0"/>
                   <a:cs typeface="Times New Roman" pitchFamily="18" charset="0"/>
                 </a:rPr>
                 <a:t>a_reg2</a:t>
               </a:r>
               <a:r>
-                <a:rPr lang="en-US" sz="2400" dirty="0">
+                <a:rPr lang="en-US" sz="2400" b="1" dirty="0">
+                  <a:solidFill>
+                    <a:srgbClr val="FF0000"/>
+                  </a:solidFill>
                   <a:latin typeface="Times New Roman" pitchFamily="18" charset="0"/>
                   <a:cs typeface="Times New Roman" pitchFamily="18" charset="0"/>
                 </a:rPr>
                 <a:t> := </a:t>
               </a:r>
               <a:r>
-                <a:rPr lang="en-US" sz="2400" i="1" dirty="0" err="1">
+                <a:rPr lang="en-US" sz="2400" b="1" i="1" dirty="0" err="1">
+                  <a:solidFill>
+                    <a:srgbClr val="FF0000"/>
+                  </a:solidFill>
                   <a:latin typeface="Times New Roman" pitchFamily="18" charset="0"/>
                   <a:cs typeface="Times New Roman" pitchFamily="18" charset="0"/>
                 </a:rPr>
                 <a:t>a_reg</a:t>
               </a:r>
-              <a:endParaRPr lang="en-US" sz="2400" i="1" dirty="0">
+              <a:endParaRPr lang="en-US" sz="2400" b="1" i="1" dirty="0">
+                <a:solidFill>
+                  <a:srgbClr val="FF0000"/>
+                </a:solidFill>
                 <a:latin typeface="Times New Roman" pitchFamily="18" charset="0"/>
                 <a:cs typeface="Times New Roman" pitchFamily="18" charset="0"/>
               </a:endParaRPr>
@@ -4406,7 +4915,24 @@
                   <a:latin typeface="Times New Roman" pitchFamily="18" charset="0"/>
                   <a:cs typeface="Times New Roman" pitchFamily="18" charset="0"/>
                 </a:rPr>
-                <a:t> a_reg2 </a:t>
+                <a:t> </a:t>
+              </a:r>
+              <a:r>
+                <a:rPr lang="en-US" sz="2400" b="1" i="1" dirty="0">
+                  <a:solidFill>
+                    <a:srgbClr val="FF0000"/>
+                  </a:solidFill>
+                  <a:latin typeface="Times New Roman" pitchFamily="18" charset="0"/>
+                  <a:cs typeface="Times New Roman" pitchFamily="18" charset="0"/>
+                </a:rPr>
+                <a:t>a_reg2</a:t>
+              </a:r>
+              <a:r>
+                <a:rPr lang="en-US" sz="2400" i="1" dirty="0">
+                  <a:latin typeface="Times New Roman" pitchFamily="18" charset="0"/>
+                  <a:cs typeface="Times New Roman" pitchFamily="18" charset="0"/>
+                </a:rPr>
+                <a:t> </a:t>
               </a:r>
               <a:r>
                 <a:rPr lang="en-US" sz="2400" dirty="0">
@@ -4450,16 +4976,23 @@
             </a:ln>
           </p:spPr>
           <p:txBody>
-            <a:bodyPr lIns="34206" tIns="17103" rIns="34206" bIns="17103">
+            <a:bodyPr lIns="36725" tIns="18363" rIns="36725" bIns="18363">
               <a:spAutoFit/>
             </a:bodyPr>
-            <a:lstStyle/>
+            <a:lstStyle>
+              <a:defPPr>
+                <a:defRPr lang="en-US"/>
+              </a:defPPr>
+              <a:lvl1pPr>
+                <a:defRPr sz="2400">
+                  <a:latin typeface="Times New Roman" pitchFamily="18" charset="0"/>
+                  <a:cs typeface="Times New Roman" pitchFamily="18" charset="0"/>
+                </a:defRPr>
+              </a:lvl1pPr>
+            </a:lstStyle>
             <a:p>
               <a:r>
-                <a:rPr lang="en-US" sz="2400" i="1" dirty="0">
-                  <a:latin typeface="Times New Roman" pitchFamily="18" charset="0"/>
-                  <a:cs typeface="Times New Roman" pitchFamily="18" charset="0"/>
-                </a:rPr>
+                <a:rPr lang="en-US" dirty="0"/>
                 <a:t>X</a:t>
               </a:r>
             </a:p>
@@ -4490,16 +5023,23 @@
             </a:ln>
           </p:spPr>
           <p:txBody>
-            <a:bodyPr lIns="34206" tIns="17103" rIns="34206" bIns="17103">
+            <a:bodyPr lIns="36725" tIns="18363" rIns="36725" bIns="18363">
               <a:spAutoFit/>
             </a:bodyPr>
-            <a:lstStyle/>
+            <a:lstStyle>
+              <a:defPPr>
+                <a:defRPr lang="en-US"/>
+              </a:defPPr>
+              <a:lvl1pPr>
+                <a:defRPr sz="2400">
+                  <a:latin typeface="Times New Roman" pitchFamily="18" charset="0"/>
+                  <a:cs typeface="Times New Roman" pitchFamily="18" charset="0"/>
+                </a:defRPr>
+              </a:lvl1pPr>
+            </a:lstStyle>
             <a:p>
               <a:r>
-                <a:rPr lang="en-US" sz="2400" i="1" dirty="0">
-                  <a:latin typeface="Times New Roman" pitchFamily="18" charset="0"/>
-                  <a:cs typeface="Times New Roman" pitchFamily="18" charset="0"/>
-                </a:rPr>
+                <a:rPr lang="en-US" dirty="0"/>
                 <a:t>Y</a:t>
               </a:r>
             </a:p>
@@ -4530,16 +5070,23 @@
             </a:ln>
           </p:spPr>
           <p:txBody>
-            <a:bodyPr lIns="34206" tIns="17103" rIns="34206" bIns="17103">
+            <a:bodyPr lIns="36725" tIns="18363" rIns="36725" bIns="18363">
               <a:spAutoFit/>
             </a:bodyPr>
-            <a:lstStyle/>
+            <a:lstStyle>
+              <a:defPPr>
+                <a:defRPr lang="en-US"/>
+              </a:defPPr>
+              <a:lvl1pPr>
+                <a:defRPr sz="2400">
+                  <a:latin typeface="Times New Roman" pitchFamily="18" charset="0"/>
+                  <a:cs typeface="Times New Roman" pitchFamily="18" charset="0"/>
+                </a:defRPr>
+              </a:lvl1pPr>
+            </a:lstStyle>
             <a:p>
               <a:r>
-                <a:rPr lang="en-US" sz="2400" i="1" dirty="0">
-                  <a:latin typeface="Times New Roman" pitchFamily="18" charset="0"/>
-                  <a:cs typeface="Times New Roman" pitchFamily="18" charset="0"/>
-                </a:rPr>
+                <a:rPr lang="en-US" dirty="0"/>
                 <a:t>Z</a:t>
               </a:r>
             </a:p>
@@ -4755,16 +5302,12 @@
             <a:p>
               <a:pPr algn="ctr"/>
               <a:r>
-                <a:rPr lang="en-US" sz="2400" u="sng" smtClean="0">
+                <a:rPr lang="en-US" sz="2400" u="sng" dirty="0" smtClean="0">
                   <a:latin typeface="Times New Roman" pitchFamily="18" charset="0"/>
                   <a:cs typeface="Times New Roman" pitchFamily="18" charset="0"/>
                 </a:rPr>
                 <a:t>After</a:t>
               </a:r>
-              <a:endParaRPr lang="en-US" sz="2400" u="sng" dirty="0" smtClean="0">
-                <a:latin typeface="Times New Roman" pitchFamily="18" charset="0"/>
-                <a:cs typeface="Times New Roman" pitchFamily="18" charset="0"/>
-              </a:endParaRPr>
             </a:p>
             <a:p>
               <a:pPr algn="ctr"/>
@@ -5075,4 +5618,265 @@
   <a:objectDefaults/>
   <a:extraClrSchemeLst/>
 </a:theme>
+</file>
+
+<file path=ppt/theme/theme2.xml><?xml version="1.0" encoding="utf-8"?>
+<a:theme xmlns:a="http://schemas.openxmlformats.org/drawingml/2006/main" name="Office Theme">
+  <a:themeElements>
+    <a:clrScheme name="Office">
+      <a:dk1>
+        <a:sysClr val="windowText" lastClr="000000"/>
+      </a:dk1>
+      <a:lt1>
+        <a:sysClr val="window" lastClr="FFFFFF"/>
+      </a:lt1>
+      <a:dk2>
+        <a:srgbClr val="44546A"/>
+      </a:dk2>
+      <a:lt2>
+        <a:srgbClr val="E7E6E6"/>
+      </a:lt2>
+      <a:accent1>
+        <a:srgbClr val="5B9BD5"/>
+      </a:accent1>
+      <a:accent2>
+        <a:srgbClr val="ED7D31"/>
+      </a:accent2>
+      <a:accent3>
+        <a:srgbClr val="A5A5A5"/>
+      </a:accent3>
+      <a:accent4>
+        <a:srgbClr val="FFC000"/>
+      </a:accent4>
+      <a:accent5>
+        <a:srgbClr val="4472C4"/>
+      </a:accent5>
+      <a:accent6>
+        <a:srgbClr val="70AD47"/>
+      </a:accent6>
+      <a:hlink>
+        <a:srgbClr val="0563C1"/>
+      </a:hlink>
+      <a:folHlink>
+        <a:srgbClr val="954F72"/>
+      </a:folHlink>
+    </a:clrScheme>
+    <a:fontScheme name="Office">
+      <a:majorFont>
+        <a:latin typeface="Calibri Light" panose="020F0302020204030204"/>
+        <a:ea typeface=""/>
+        <a:cs typeface=""/>
+        <a:font script="Jpan" typeface="ＭＳ Ｐゴシック"/>
+        <a:font script="Hang" typeface="맑은 고딕"/>
+        <a:font script="Hans" typeface="宋体"/>
+        <a:font script="Hant" typeface="新細明體"/>
+        <a:font script="Arab" typeface="Times New Roman"/>
+        <a:font script="Hebr" typeface="Times New Roman"/>
+        <a:font script="Thai" typeface="Angsana New"/>
+        <a:font script="Ethi" typeface="Nyala"/>
+        <a:font script="Beng" typeface="Vrinda"/>
+        <a:font script="Gujr" typeface="Shruti"/>
+        <a:font script="Khmr" typeface="MoolBoran"/>
+        <a:font script="Knda" typeface="Tunga"/>
+        <a:font script="Guru" typeface="Raavi"/>
+        <a:font script="Cans" typeface="Euphemia"/>
+        <a:font script="Cher" typeface="Plantagenet Cherokee"/>
+        <a:font script="Yiii" typeface="Microsoft Yi Baiti"/>
+        <a:font script="Tibt" typeface="Microsoft Himalaya"/>
+        <a:font script="Thaa" typeface="MV Boli"/>
+        <a:font script="Deva" typeface="Mangal"/>
+        <a:font script="Telu" typeface="Gautami"/>
+        <a:font script="Taml" typeface="Latha"/>
+        <a:font script="Syrc" typeface="Estrangelo Edessa"/>
+        <a:font script="Orya" typeface="Kalinga"/>
+        <a:font script="Mlym" typeface="Kartika"/>
+        <a:font script="Laoo" typeface="DokChampa"/>
+        <a:font script="Sinh" typeface="Iskoola Pota"/>
+        <a:font script="Mong" typeface="Mongolian Baiti"/>
+        <a:font script="Viet" typeface="Times New Roman"/>
+        <a:font script="Uigh" typeface="Microsoft Uighur"/>
+        <a:font script="Geor" typeface="Sylfaen"/>
+      </a:majorFont>
+      <a:minorFont>
+        <a:latin typeface="Calibri" panose="020F0502020204030204"/>
+        <a:ea typeface=""/>
+        <a:cs typeface=""/>
+        <a:font script="Jpan" typeface="ＭＳ Ｐゴシック"/>
+        <a:font script="Hang" typeface="맑은 고딕"/>
+        <a:font script="Hans" typeface="宋体"/>
+        <a:font script="Hant" typeface="新細明體"/>
+        <a:font script="Arab" typeface="Arial"/>
+        <a:font script="Hebr" typeface="Arial"/>
+        <a:font script="Thai" typeface="Cordia New"/>
+        <a:font script="Ethi" typeface="Nyala"/>
+        <a:font script="Beng" typeface="Vrinda"/>
+        <a:font script="Gujr" typeface="Shruti"/>
+        <a:font script="Khmr" typeface="DaunPenh"/>
+        <a:font script="Knda" typeface="Tunga"/>
+        <a:font script="Guru" typeface="Raavi"/>
+        <a:font script="Cans" typeface="Euphemia"/>
+        <a:font script="Cher" typeface="Plantagenet Cherokee"/>
+        <a:font script="Yiii" typeface="Microsoft Yi Baiti"/>
+        <a:font script="Tibt" typeface="Microsoft Himalaya"/>
+        <a:font script="Thaa" typeface="MV Boli"/>
+        <a:font script="Deva" typeface="Mangal"/>
+        <a:font script="Telu" typeface="Gautami"/>
+        <a:font script="Taml" typeface="Latha"/>
+        <a:font script="Syrc" typeface="Estrangelo Edessa"/>
+        <a:font script="Orya" typeface="Kalinga"/>
+        <a:font script="Mlym" typeface="Kartika"/>
+        <a:font script="Laoo" typeface="DokChampa"/>
+        <a:font script="Sinh" typeface="Iskoola Pota"/>
+        <a:font script="Mong" typeface="Mongolian Baiti"/>
+        <a:font script="Viet" typeface="Arial"/>
+        <a:font script="Uigh" typeface="Microsoft Uighur"/>
+        <a:font script="Geor" typeface="Sylfaen"/>
+      </a:minorFont>
+    </a:fontScheme>
+    <a:fmtScheme name="Office">
+      <a:fillStyleLst>
+        <a:solidFill>
+          <a:schemeClr val="phClr"/>
+        </a:solidFill>
+        <a:gradFill rotWithShape="1">
+          <a:gsLst>
+            <a:gs pos="0">
+              <a:schemeClr val="phClr">
+                <a:lumMod val="110000"/>
+                <a:satMod val="105000"/>
+                <a:tint val="67000"/>
+              </a:schemeClr>
+            </a:gs>
+            <a:gs pos="50000">
+              <a:schemeClr val="phClr">
+                <a:lumMod val="105000"/>
+                <a:satMod val="103000"/>
+                <a:tint val="73000"/>
+              </a:schemeClr>
+            </a:gs>
+            <a:gs pos="100000">
+              <a:schemeClr val="phClr">
+                <a:lumMod val="105000"/>
+                <a:satMod val="109000"/>
+                <a:tint val="81000"/>
+              </a:schemeClr>
+            </a:gs>
+          </a:gsLst>
+          <a:lin ang="5400000" scaled="0"/>
+        </a:gradFill>
+        <a:gradFill rotWithShape="1">
+          <a:gsLst>
+            <a:gs pos="0">
+              <a:schemeClr val="phClr">
+                <a:satMod val="103000"/>
+                <a:lumMod val="102000"/>
+                <a:tint val="94000"/>
+              </a:schemeClr>
+            </a:gs>
+            <a:gs pos="50000">
+              <a:schemeClr val="phClr">
+                <a:satMod val="110000"/>
+                <a:lumMod val="100000"/>
+                <a:shade val="100000"/>
+              </a:schemeClr>
+            </a:gs>
+            <a:gs pos="100000">
+              <a:schemeClr val="phClr">
+                <a:lumMod val="99000"/>
+                <a:satMod val="120000"/>
+                <a:shade val="78000"/>
+              </a:schemeClr>
+            </a:gs>
+          </a:gsLst>
+          <a:lin ang="5400000" scaled="0"/>
+        </a:gradFill>
+      </a:fillStyleLst>
+      <a:lnStyleLst>
+        <a:ln w="6350" cap="flat" cmpd="sng" algn="ctr">
+          <a:solidFill>
+            <a:schemeClr val="phClr"/>
+          </a:solidFill>
+          <a:prstDash val="solid"/>
+          <a:miter lim="800000"/>
+        </a:ln>
+        <a:ln w="12700" cap="flat" cmpd="sng" algn="ctr">
+          <a:solidFill>
+            <a:schemeClr val="phClr"/>
+          </a:solidFill>
+          <a:prstDash val="solid"/>
+          <a:miter lim="800000"/>
+        </a:ln>
+        <a:ln w="19050" cap="flat" cmpd="sng" algn="ctr">
+          <a:solidFill>
+            <a:schemeClr val="phClr"/>
+          </a:solidFill>
+          <a:prstDash val="solid"/>
+          <a:miter lim="800000"/>
+        </a:ln>
+      </a:lnStyleLst>
+      <a:effectStyleLst>
+        <a:effectStyle>
+          <a:effectLst/>
+        </a:effectStyle>
+        <a:effectStyle>
+          <a:effectLst/>
+        </a:effectStyle>
+        <a:effectStyle>
+          <a:effectLst>
+            <a:outerShdw blurRad="57150" dist="19050" dir="5400000" algn="ctr" rotWithShape="0">
+              <a:srgbClr val="000000">
+                <a:alpha val="63000"/>
+              </a:srgbClr>
+            </a:outerShdw>
+          </a:effectLst>
+        </a:effectStyle>
+      </a:effectStyleLst>
+      <a:bgFillStyleLst>
+        <a:solidFill>
+          <a:schemeClr val="phClr"/>
+        </a:solidFill>
+        <a:solidFill>
+          <a:schemeClr val="phClr">
+            <a:tint val="95000"/>
+            <a:satMod val="170000"/>
+          </a:schemeClr>
+        </a:solidFill>
+        <a:gradFill rotWithShape="1">
+          <a:gsLst>
+            <a:gs pos="0">
+              <a:schemeClr val="phClr">
+                <a:tint val="93000"/>
+                <a:satMod val="150000"/>
+                <a:shade val="98000"/>
+                <a:lumMod val="102000"/>
+              </a:schemeClr>
+            </a:gs>
+            <a:gs pos="50000">
+              <a:schemeClr val="phClr">
+                <a:tint val="98000"/>
+                <a:satMod val="130000"/>
+                <a:shade val="90000"/>
+                <a:lumMod val="103000"/>
+              </a:schemeClr>
+            </a:gs>
+            <a:gs pos="100000">
+              <a:schemeClr val="phClr">
+                <a:shade val="63000"/>
+                <a:satMod val="120000"/>
+              </a:schemeClr>
+            </a:gs>
+          </a:gsLst>
+          <a:lin ang="5400000" scaled="0"/>
+        </a:gradFill>
+      </a:bgFillStyleLst>
+    </a:fmtScheme>
+  </a:themeElements>
+  <a:objectDefaults/>
+  <a:extraClrSchemeLst/>
+  <a:extLst>
+    <a:ext uri="{05A4C25C-085E-4340-85A3-A5531E510DB2}">
+      <thm15:themeFamily xmlns:thm15="http://schemas.microsoft.com/office/thememl/2012/main" name="Office Theme" id="{62F939B6-93AF-4DB8-9C6B-D6C7DFDC589F}" vid="{4A3C46E8-61CC-4603-A589-7422A47A8E4A}"/>
+    </a:ext>
+  </a:extLst>
+</a:theme>
 </file>